--- a/期初提案.pptx
+++ b/期初提案.pptx
@@ -6835,7 +6835,7 @@
           <a:p>
             <a:fld id="{E5D2C430-C36D-4351-928D-DDF7D420E1EE}" type="datetimeFigureOut">
               <a:rPr lang="zh-TW" altLang="en-US" smtClean="0"/>
-              <a:t>2018/4/23</a:t>
+              <a:t>2018/6/23</a:t>
             </a:fld>
             <a:endParaRPr lang="zh-TW" altLang="en-US"/>
           </a:p>
@@ -7420,7 +7420,7 @@
           <a:p>
             <a:fld id="{D7572321-384A-2C4C-A72D-3B1881A35287}" type="datetimeFigureOut">
               <a:rPr kumimoji="1" lang="zh-TW" altLang="en-US" smtClean="0"/>
-              <a:t>2018/4/23</a:t>
+              <a:t>2018/6/23</a:t>
             </a:fld>
             <a:endParaRPr kumimoji="1" lang="zh-TW" altLang="en-US"/>
           </a:p>
@@ -7618,7 +7618,7 @@
           <a:p>
             <a:fld id="{D7572321-384A-2C4C-A72D-3B1881A35287}" type="datetimeFigureOut">
               <a:rPr kumimoji="1" lang="zh-TW" altLang="en-US" smtClean="0"/>
-              <a:t>2018/4/23</a:t>
+              <a:t>2018/6/23</a:t>
             </a:fld>
             <a:endParaRPr kumimoji="1" lang="zh-TW" altLang="en-US"/>
           </a:p>
@@ -7826,7 +7826,7 @@
           <a:p>
             <a:fld id="{D7572321-384A-2C4C-A72D-3B1881A35287}" type="datetimeFigureOut">
               <a:rPr kumimoji="1" lang="zh-TW" altLang="en-US" smtClean="0"/>
-              <a:t>2018/4/23</a:t>
+              <a:t>2018/6/23</a:t>
             </a:fld>
             <a:endParaRPr kumimoji="1" lang="zh-TW" altLang="en-US"/>
           </a:p>
@@ -8062,7 +8062,7 @@
           <a:p>
             <a:fld id="{D7572321-384A-2C4C-A72D-3B1881A35287}" type="datetimeFigureOut">
               <a:rPr kumimoji="1" lang="zh-TW" altLang="en-US" smtClean="0"/>
-              <a:t>2018/4/23</a:t>
+              <a:t>2018/6/23</a:t>
             </a:fld>
             <a:endParaRPr kumimoji="1" lang="zh-TW" altLang="en-US"/>
           </a:p>
@@ -8337,7 +8337,7 @@
           <a:p>
             <a:fld id="{D7572321-384A-2C4C-A72D-3B1881A35287}" type="datetimeFigureOut">
               <a:rPr kumimoji="1" lang="zh-TW" altLang="en-US" smtClean="0"/>
-              <a:t>2018/4/23</a:t>
+              <a:t>2018/6/23</a:t>
             </a:fld>
             <a:endParaRPr kumimoji="1" lang="zh-TW" altLang="en-US"/>
           </a:p>
@@ -8602,7 +8602,7 @@
           <a:p>
             <a:fld id="{D7572321-384A-2C4C-A72D-3B1881A35287}" type="datetimeFigureOut">
               <a:rPr kumimoji="1" lang="zh-TW" altLang="en-US" smtClean="0"/>
-              <a:t>2018/4/23</a:t>
+              <a:t>2018/6/23</a:t>
             </a:fld>
             <a:endParaRPr kumimoji="1" lang="zh-TW" altLang="en-US"/>
           </a:p>
@@ -9014,7 +9014,7 @@
           <a:p>
             <a:fld id="{D7572321-384A-2C4C-A72D-3B1881A35287}" type="datetimeFigureOut">
               <a:rPr kumimoji="1" lang="zh-TW" altLang="en-US" smtClean="0"/>
-              <a:t>2018/4/23</a:t>
+              <a:t>2018/6/23</a:t>
             </a:fld>
             <a:endParaRPr kumimoji="1" lang="zh-TW" altLang="en-US"/>
           </a:p>
@@ -9155,7 +9155,7 @@
           <a:p>
             <a:fld id="{D7572321-384A-2C4C-A72D-3B1881A35287}" type="datetimeFigureOut">
               <a:rPr kumimoji="1" lang="zh-TW" altLang="en-US" smtClean="0"/>
-              <a:t>2018/4/23</a:t>
+              <a:t>2018/6/23</a:t>
             </a:fld>
             <a:endParaRPr kumimoji="1" lang="zh-TW" altLang="en-US"/>
           </a:p>
@@ -9268,7 +9268,7 @@
           <a:p>
             <a:fld id="{D7572321-384A-2C4C-A72D-3B1881A35287}" type="datetimeFigureOut">
               <a:rPr kumimoji="1" lang="zh-TW" altLang="en-US" smtClean="0"/>
-              <a:t>2018/4/23</a:t>
+              <a:t>2018/6/23</a:t>
             </a:fld>
             <a:endParaRPr kumimoji="1" lang="zh-TW" altLang="en-US"/>
           </a:p>
@@ -9579,7 +9579,7 @@
           <a:p>
             <a:fld id="{D7572321-384A-2C4C-A72D-3B1881A35287}" type="datetimeFigureOut">
               <a:rPr kumimoji="1" lang="zh-TW" altLang="en-US" smtClean="0"/>
-              <a:t>2018/4/23</a:t>
+              <a:t>2018/6/23</a:t>
             </a:fld>
             <a:endParaRPr kumimoji="1" lang="zh-TW" altLang="en-US"/>
           </a:p>
@@ -9867,7 +9867,7 @@
           <a:p>
             <a:fld id="{D7572321-384A-2C4C-A72D-3B1881A35287}" type="datetimeFigureOut">
               <a:rPr kumimoji="1" lang="zh-TW" altLang="en-US" smtClean="0"/>
-              <a:t>2018/4/23</a:t>
+              <a:t>2018/6/23</a:t>
             </a:fld>
             <a:endParaRPr kumimoji="1" lang="zh-TW" altLang="en-US"/>
           </a:p>
@@ -10108,7 +10108,7 @@
           <a:p>
             <a:fld id="{D7572321-384A-2C4C-A72D-3B1881A35287}" type="datetimeFigureOut">
               <a:rPr kumimoji="1" lang="zh-TW" altLang="en-US" smtClean="0"/>
-              <a:t>2018/4/23</a:t>
+              <a:t>2018/6/23</a:t>
             </a:fld>
             <a:endParaRPr kumimoji="1" lang="zh-TW" altLang="en-US"/>
           </a:p>
@@ -11541,11 +11541,6 @@
               </a:rPr>
               <a:t>bootstrap</a:t>
             </a:r>
-            <a:endParaRPr lang="en-US" altLang="zh-TW" dirty="0" smtClean="0">
-              <a:solidFill>
-                <a:srgbClr val="000000"/>
-              </a:solidFill>
-            </a:endParaRPr>
           </a:p>
           <a:p>
             <a:pPr>
@@ -12205,6 +12200,9 @@
               <a:rPr lang="zh-TW" altLang="en-US" dirty="0" smtClean="0"/>
               <a:t>需求</a:t>
             </a:r>
+            <a:endParaRPr lang="en-US" altLang="zh-TW" smtClean="0"/>
+          </a:p>
+          <a:p>
             <a:endParaRPr lang="en-US" altLang="zh-TW" dirty="0" smtClean="0"/>
           </a:p>
         </p:txBody>
